--- a/Presentation.pptx
+++ b/Presentation.pptx
@@ -136,7 +136,7 @@
   <pc:docChgLst>
     <pc:chgData name="pamela hinostroza" userId="c80913c5e854edc0" providerId="LiveId" clId="{E818F365-D871-47E4-AC3E-C2A795DBC77B}"/>
     <pc:docChg chg="undo redo custSel addSld delSld modSld sldOrd">
-      <pc:chgData name="pamela hinostroza" userId="c80913c5e854edc0" providerId="LiveId" clId="{E818F365-D871-47E4-AC3E-C2A795DBC77B}" dt="2021-03-18T00:24:53.556" v="3203" actId="20577"/>
+      <pc:chgData name="pamela hinostroza" userId="c80913c5e854edc0" providerId="LiveId" clId="{E818F365-D871-47E4-AC3E-C2A795DBC77B}" dt="2021-03-18T01:10:57.434" v="3274" actId="20577"/>
       <pc:docMkLst>
         <pc:docMk/>
       </pc:docMkLst>
@@ -773,7 +773,7 @@
         </pc:picChg>
       </pc:sldChg>
       <pc:sldChg chg="addSp modSp new mod ord modNotesTx">
-        <pc:chgData name="pamela hinostroza" userId="c80913c5e854edc0" providerId="LiveId" clId="{E818F365-D871-47E4-AC3E-C2A795DBC77B}" dt="2021-03-18T00:24:53.556" v="3203" actId="20577"/>
+        <pc:chgData name="pamela hinostroza" userId="c80913c5e854edc0" providerId="LiveId" clId="{E818F365-D871-47E4-AC3E-C2A795DBC77B}" dt="2021-03-18T01:10:57.434" v="3274" actId="20577"/>
         <pc:sldMkLst>
           <pc:docMk/>
           <pc:sldMk cId="1655545423" sldId="273"/>
@@ -5654,7 +5654,7 @@
             </a:r>
             <a:r>
               <a:rPr lang="en-US" dirty="0"/>
-              <a:t> **adding replace instead of append so it can be re-run if necessary**</a:t>
+              <a:t> **adding replace instead of append so it can be re-run if necessary/table that lends out foreign key is listed last to avoid error**</a:t>
             </a:r>
           </a:p>
         </p:txBody>

--- a/Presentation.pptx
+++ b/Presentation.pptx
@@ -5,7 +5,7 @@
     <p:sldMasterId id="2147483660" r:id="rId1"/>
   </p:sldMasterIdLst>
   <p:notesMasterIdLst>
-    <p:notesMasterId r:id="rId11"/>
+    <p:notesMasterId r:id="rId12"/>
   </p:notesMasterIdLst>
   <p:sldIdLst>
     <p:sldId id="256" r:id="rId2"/>
@@ -17,6 +17,7 @@
     <p:sldId id="272" r:id="rId8"/>
     <p:sldId id="273" r:id="rId9"/>
     <p:sldId id="275" r:id="rId10"/>
+    <p:sldId id="276" r:id="rId11"/>
   </p:sldIdLst>
   <p:sldSz cx="12192000" cy="6858000"/>
   <p:notesSz cx="6858000" cy="9144000"/>
@@ -126,7 +127,7 @@
 <file path=ppt/revisionInfo.xml><?xml version="1.0" encoding="utf-8"?>
 <p1510:revInfo xmlns:a="http://schemas.openxmlformats.org/drawingml/2006/main" xmlns:r="http://schemas.openxmlformats.org/officeDocument/2006/relationships" xmlns:p1510="http://schemas.microsoft.com/office/powerpoint/2015/10/main">
   <p1510:revLst>
-    <p1510:client id="{E818F365-D871-47E4-AC3E-C2A795DBC77B}" v="332" dt="2021-03-18T00:24:08.148"/>
+    <p1510:client id="{E818F365-D871-47E4-AC3E-C2A795DBC77B}" v="339" dt="2021-03-18T03:39:48.298"/>
   </p1510:revLst>
 </p1510:revInfo>
 </file>
@@ -136,7 +137,7 @@
   <pc:docChgLst>
     <pc:chgData name="pamela hinostroza" userId="c80913c5e854edc0" providerId="LiveId" clId="{E818F365-D871-47E4-AC3E-C2A795DBC77B}"/>
     <pc:docChg chg="undo redo custSel addSld delSld modSld sldOrd">
-      <pc:chgData name="pamela hinostroza" userId="c80913c5e854edc0" providerId="LiveId" clId="{E818F365-D871-47E4-AC3E-C2A795DBC77B}" dt="2021-03-18T01:10:57.434" v="3274" actId="20577"/>
+      <pc:chgData name="pamela hinostroza" userId="c80913c5e854edc0" providerId="LiveId" clId="{E818F365-D871-47E4-AC3E-C2A795DBC77B}" dt="2021-03-18T03:42:39.369" v="3747" actId="20577"/>
       <pc:docMkLst>
         <pc:docMk/>
       </pc:docMkLst>
@@ -490,7 +491,7 @@
         </pc:graphicFrameChg>
       </pc:sldChg>
       <pc:sldChg chg="addSp delSp modSp new mod">
-        <pc:chgData name="pamela hinostroza" userId="c80913c5e854edc0" providerId="LiveId" clId="{E818F365-D871-47E4-AC3E-C2A795DBC77B}" dt="2021-03-17T19:22:07.173" v="2863" actId="1076"/>
+        <pc:chgData name="pamela hinostroza" userId="c80913c5e854edc0" providerId="LiveId" clId="{E818F365-D871-47E4-AC3E-C2A795DBC77B}" dt="2021-03-18T03:22:31.025" v="3277"/>
         <pc:sldMkLst>
           <pc:docMk/>
           <pc:sldMk cId="4071235373" sldId="269"/>
@@ -560,7 +561,7 @@
           </ac:picMkLst>
         </pc:picChg>
         <pc:picChg chg="add mod ord">
-          <ac:chgData name="pamela hinostroza" userId="c80913c5e854edc0" providerId="LiveId" clId="{E818F365-D871-47E4-AC3E-C2A795DBC77B}" dt="2021-03-17T19:22:03.206" v="2861" actId="1076"/>
+          <ac:chgData name="pamela hinostroza" userId="c80913c5e854edc0" providerId="LiveId" clId="{E818F365-D871-47E4-AC3E-C2A795DBC77B}" dt="2021-03-18T03:22:01.403" v="3275"/>
           <ac:picMkLst>
             <pc:docMk/>
             <pc:sldMk cId="4071235373" sldId="269"/>
@@ -568,7 +569,7 @@
           </ac:picMkLst>
         </pc:picChg>
         <pc:picChg chg="add mod">
-          <ac:chgData name="pamela hinostroza" userId="c80913c5e854edc0" providerId="LiveId" clId="{E818F365-D871-47E4-AC3E-C2A795DBC77B}" dt="2021-03-17T19:22:05.424" v="2862" actId="1076"/>
+          <ac:chgData name="pamela hinostroza" userId="c80913c5e854edc0" providerId="LiveId" clId="{E818F365-D871-47E4-AC3E-C2A795DBC77B}" dt="2021-03-18T03:22:17.919" v="3276"/>
           <ac:picMkLst>
             <pc:docMk/>
             <pc:sldMk cId="4071235373" sldId="269"/>
@@ -576,7 +577,7 @@
           </ac:picMkLst>
         </pc:picChg>
         <pc:picChg chg="add mod">
-          <ac:chgData name="pamela hinostroza" userId="c80913c5e854edc0" providerId="LiveId" clId="{E818F365-D871-47E4-AC3E-C2A795DBC77B}" dt="2021-03-17T19:22:07.173" v="2863" actId="1076"/>
+          <ac:chgData name="pamela hinostroza" userId="c80913c5e854edc0" providerId="LiveId" clId="{E818F365-D871-47E4-AC3E-C2A795DBC77B}" dt="2021-03-18T03:22:31.025" v="3277"/>
           <ac:picMkLst>
             <pc:docMk/>
             <pc:sldMk cId="4071235373" sldId="269"/>
@@ -896,6 +897,141 @@
             <ac:picMk id="4" creationId="{4142496F-C1C2-4801-8F29-2DD16BB4011B}"/>
           </ac:picMkLst>
         </pc:picChg>
+      </pc:sldChg>
+      <pc:sldChg chg="addSp delSp modSp new mod">
+        <pc:chgData name="pamela hinostroza" userId="c80913c5e854edc0" providerId="LiveId" clId="{E818F365-D871-47E4-AC3E-C2A795DBC77B}" dt="2021-03-18T03:42:39.369" v="3747" actId="20577"/>
+        <pc:sldMkLst>
+          <pc:docMk/>
+          <pc:sldMk cId="2750640259" sldId="276"/>
+        </pc:sldMkLst>
+        <pc:spChg chg="mod">
+          <ac:chgData name="pamela hinostroza" userId="c80913c5e854edc0" providerId="LiveId" clId="{E818F365-D871-47E4-AC3E-C2A795DBC77B}" dt="2021-03-18T03:23:01.704" v="3295" actId="113"/>
+          <ac:spMkLst>
+            <pc:docMk/>
+            <pc:sldMk cId="2750640259" sldId="276"/>
+            <ac:spMk id="2" creationId="{463174C7-22D4-4BA6-926F-41B8C83892B9}"/>
+          </ac:spMkLst>
+        </pc:spChg>
+        <pc:spChg chg="add del mod">
+          <ac:chgData name="pamela hinostroza" userId="c80913c5e854edc0" providerId="LiveId" clId="{E818F365-D871-47E4-AC3E-C2A795DBC77B}" dt="2021-03-18T03:42:35.623" v="3744" actId="20577"/>
+          <ac:spMkLst>
+            <pc:docMk/>
+            <pc:sldMk cId="2750640259" sldId="276"/>
+            <ac:spMk id="3" creationId="{48C716AA-EE9A-4841-84BF-063A4C39D467}"/>
+          </ac:spMkLst>
+        </pc:spChg>
+        <pc:spChg chg="add del mod">
+          <ac:chgData name="pamela hinostroza" userId="c80913c5e854edc0" providerId="LiveId" clId="{E818F365-D871-47E4-AC3E-C2A795DBC77B}" dt="2021-03-18T03:33:26.571" v="3439" actId="478"/>
+          <ac:spMkLst>
+            <pc:docMk/>
+            <pc:sldMk cId="2750640259" sldId="276"/>
+            <ac:spMk id="12" creationId="{828F1171-1B6B-4283-83EA-CAAE673A17EA}"/>
+          </ac:spMkLst>
+        </pc:spChg>
+        <pc:spChg chg="add mod">
+          <ac:chgData name="pamela hinostroza" userId="c80913c5e854edc0" providerId="LiveId" clId="{E818F365-D871-47E4-AC3E-C2A795DBC77B}" dt="2021-03-18T03:33:47.464" v="3442" actId="208"/>
+          <ac:spMkLst>
+            <pc:docMk/>
+            <pc:sldMk cId="2750640259" sldId="276"/>
+            <ac:spMk id="13" creationId="{10D5DD97-0675-49E4-8849-1B0DC78E0722}"/>
+          </ac:spMkLst>
+        </pc:spChg>
+        <pc:spChg chg="add mod">
+          <ac:chgData name="pamela hinostroza" userId="c80913c5e854edc0" providerId="LiveId" clId="{E818F365-D871-47E4-AC3E-C2A795DBC77B}" dt="2021-03-18T03:42:39.369" v="3747" actId="20577"/>
+          <ac:spMkLst>
+            <pc:docMk/>
+            <pc:sldMk cId="2750640259" sldId="276"/>
+            <ac:spMk id="16" creationId="{7DF63382-9040-40B9-BE96-BFCA4AF2A271}"/>
+          </ac:spMkLst>
+        </pc:spChg>
+        <pc:spChg chg="add mod">
+          <ac:chgData name="pamela hinostroza" userId="c80913c5e854edc0" providerId="LiveId" clId="{E818F365-D871-47E4-AC3E-C2A795DBC77B}" dt="2021-03-18T03:39:41.995" v="3720" actId="14100"/>
+          <ac:spMkLst>
+            <pc:docMk/>
+            <pc:sldMk cId="2750640259" sldId="276"/>
+            <ac:spMk id="21" creationId="{482849D6-9678-4D2C-BD2C-CA2AD72171ED}"/>
+          </ac:spMkLst>
+        </pc:spChg>
+        <pc:spChg chg="add mod">
+          <ac:chgData name="pamela hinostroza" userId="c80913c5e854edc0" providerId="LiveId" clId="{E818F365-D871-47E4-AC3E-C2A795DBC77B}" dt="2021-03-18T03:41:10.234" v="3727" actId="208"/>
+          <ac:spMkLst>
+            <pc:docMk/>
+            <pc:sldMk cId="2750640259" sldId="276"/>
+            <ac:spMk id="26" creationId="{2BC7CBD5-1D6F-4112-BBE9-5131F34E4D83}"/>
+          </ac:spMkLst>
+        </pc:spChg>
+        <pc:picChg chg="add del mod ord">
+          <ac:chgData name="pamela hinostroza" userId="c80913c5e854edc0" providerId="LiveId" clId="{E818F365-D871-47E4-AC3E-C2A795DBC77B}" dt="2021-03-18T03:24:56.891" v="3299" actId="22"/>
+          <ac:picMkLst>
+            <pc:docMk/>
+            <pc:sldMk cId="2750640259" sldId="276"/>
+            <ac:picMk id="5" creationId="{03422293-01FE-4E17-8077-E4EAB6B36B4B}"/>
+          </ac:picMkLst>
+        </pc:picChg>
+        <pc:picChg chg="add mod">
+          <ac:chgData name="pamela hinostroza" userId="c80913c5e854edc0" providerId="LiveId" clId="{E818F365-D871-47E4-AC3E-C2A795DBC77B}" dt="2021-03-18T03:32:28.306" v="3428" actId="14100"/>
+          <ac:picMkLst>
+            <pc:docMk/>
+            <pc:sldMk cId="2750640259" sldId="276"/>
+            <ac:picMk id="7" creationId="{E4F63E23-F635-4DF1-B5AD-F8911CC2E723}"/>
+          </ac:picMkLst>
+        </pc:picChg>
+        <pc:picChg chg="add del">
+          <ac:chgData name="pamela hinostroza" userId="c80913c5e854edc0" providerId="LiveId" clId="{E818F365-D871-47E4-AC3E-C2A795DBC77B}" dt="2021-03-18T03:29:57.493" v="3417" actId="478"/>
+          <ac:picMkLst>
+            <pc:docMk/>
+            <pc:sldMk cId="2750640259" sldId="276"/>
+            <ac:picMk id="9" creationId="{AF465857-3D7A-4F50-9043-E8BAF665EE5D}"/>
+          </ac:picMkLst>
+        </pc:picChg>
+        <pc:picChg chg="add mod modCrop">
+          <ac:chgData name="pamela hinostroza" userId="c80913c5e854edc0" providerId="LiveId" clId="{E818F365-D871-47E4-AC3E-C2A795DBC77B}" dt="2021-03-18T03:32:54.201" v="3434" actId="1076"/>
+          <ac:picMkLst>
+            <pc:docMk/>
+            <pc:sldMk cId="2750640259" sldId="276"/>
+            <ac:picMk id="11" creationId="{47AC1B30-D99B-4179-B676-58500646B8E7}"/>
+          </ac:picMkLst>
+        </pc:picChg>
+        <pc:picChg chg="add del mod">
+          <ac:chgData name="pamela hinostroza" userId="c80913c5e854edc0" providerId="LiveId" clId="{E818F365-D871-47E4-AC3E-C2A795DBC77B}" dt="2021-03-18T03:37:58.950" v="3622" actId="478"/>
+          <ac:picMkLst>
+            <pc:docMk/>
+            <pc:sldMk cId="2750640259" sldId="276"/>
+            <ac:picMk id="18" creationId="{83566F29-C884-4DF9-A100-4D84C2F83CC4}"/>
+          </ac:picMkLst>
+        </pc:picChg>
+        <pc:picChg chg="add mod">
+          <ac:chgData name="pamela hinostroza" userId="c80913c5e854edc0" providerId="LiveId" clId="{E818F365-D871-47E4-AC3E-C2A795DBC77B}" dt="2021-03-18T03:38:06.323" v="3625" actId="14100"/>
+          <ac:picMkLst>
+            <pc:docMk/>
+            <pc:sldMk cId="2750640259" sldId="276"/>
+            <ac:picMk id="20" creationId="{8FE09A2F-7BF1-493A-BF3F-5981F609D57A}"/>
+          </ac:picMkLst>
+        </pc:picChg>
+        <pc:cxnChg chg="add mod">
+          <ac:chgData name="pamela hinostroza" userId="c80913c5e854edc0" providerId="LiveId" clId="{E818F365-D871-47E4-AC3E-C2A795DBC77B}" dt="2021-03-18T03:33:59.777" v="3444" actId="208"/>
+          <ac:cxnSpMkLst>
+            <pc:docMk/>
+            <pc:sldMk cId="2750640259" sldId="276"/>
+            <ac:cxnSpMk id="15" creationId="{7319C037-5C0B-45F5-8E52-FB4AEF35D6C0}"/>
+          </ac:cxnSpMkLst>
+        </pc:cxnChg>
+        <pc:cxnChg chg="add del mod">
+          <ac:chgData name="pamela hinostroza" userId="c80913c5e854edc0" providerId="LiveId" clId="{E818F365-D871-47E4-AC3E-C2A795DBC77B}" dt="2021-03-18T03:41:21.110" v="3730" actId="478"/>
+          <ac:cxnSpMkLst>
+            <pc:docMk/>
+            <pc:sldMk cId="2750640259" sldId="276"/>
+            <ac:cxnSpMk id="23" creationId="{638E0470-91B7-4724-9AB0-DBDB69140520}"/>
+          </ac:cxnSpMkLst>
+        </pc:cxnChg>
+        <pc:cxnChg chg="add mod">
+          <ac:chgData name="pamela hinostroza" userId="c80913c5e854edc0" providerId="LiveId" clId="{E818F365-D871-47E4-AC3E-C2A795DBC77B}" dt="2021-03-18T03:42:11.363" v="3741" actId="208"/>
+          <ac:cxnSpMkLst>
+            <pc:docMk/>
+            <pc:sldMk cId="2750640259" sldId="276"/>
+            <ac:cxnSpMk id="30" creationId="{BE68F15F-6C4D-4A31-BBB2-AD500FCBBD29}"/>
+          </ac:cxnSpMkLst>
+        </pc:cxnChg>
       </pc:sldChg>
     </pc:docChg>
   </pc:docChgLst>
@@ -11965,6 +12101,1251 @@
 </p:sld>
 </file>
 
+<file path=ppt/slides/slide10.xml><?xml version="1.0" encoding="utf-8"?>
+<p:sld xmlns:a="http://schemas.openxmlformats.org/drawingml/2006/main" xmlns:r="http://schemas.openxmlformats.org/officeDocument/2006/relationships" xmlns:p="http://schemas.openxmlformats.org/presentationml/2006/main">
+  <p:cSld>
+    <p:spTree>
+      <p:nvGrpSpPr>
+        <p:cNvPr id="1" name=""/>
+        <p:cNvGrpSpPr/>
+        <p:nvPr/>
+      </p:nvGrpSpPr>
+      <p:grpSpPr>
+        <a:xfrm>
+          <a:off x="0" y="0"/>
+          <a:ext cx="0" cy="0"/>
+          <a:chOff x="0" y="0"/>
+          <a:chExt cx="0" cy="0"/>
+        </a:xfrm>
+      </p:grpSpPr>
+      <p:sp>
+        <p:nvSpPr>
+          <p:cNvPr id="2" name="Title 1">
+            <a:extLst>
+              <a:ext uri="{FF2B5EF4-FFF2-40B4-BE49-F238E27FC236}">
+                <a16:creationId xmlns:a16="http://schemas.microsoft.com/office/drawing/2014/main" id="{463174C7-22D4-4BA6-926F-41B8C83892B9}"/>
+              </a:ext>
+            </a:extLst>
+          </p:cNvPr>
+          <p:cNvSpPr>
+            <a:spLocks noGrp="1"/>
+          </p:cNvSpPr>
+          <p:nvPr>
+            <p:ph type="title"/>
+          </p:nvPr>
+        </p:nvSpPr>
+        <p:spPr/>
+        <p:txBody>
+          <a:bodyPr/>
+          <a:lstStyle/>
+          <a:p>
+            <a:r>
+              <a:rPr lang="en-US" b="1" dirty="0"/>
+              <a:t>Extra Take-Aways</a:t>
+            </a:r>
+          </a:p>
+        </p:txBody>
+      </p:sp>
+      <p:sp>
+        <p:nvSpPr>
+          <p:cNvPr id="3" name="Content Placeholder 2">
+            <a:extLst>
+              <a:ext uri="{FF2B5EF4-FFF2-40B4-BE49-F238E27FC236}">
+                <a16:creationId xmlns:a16="http://schemas.microsoft.com/office/drawing/2014/main" id="{48C716AA-EE9A-4841-84BF-063A4C39D467}"/>
+              </a:ext>
+            </a:extLst>
+          </p:cNvPr>
+          <p:cNvSpPr>
+            <a:spLocks noGrp="1"/>
+          </p:cNvSpPr>
+          <p:nvPr>
+            <p:ph idx="1"/>
+          </p:nvPr>
+        </p:nvSpPr>
+        <p:spPr>
+          <a:xfrm>
+            <a:off x="913794" y="2076451"/>
+            <a:ext cx="2715671" cy="1482676"/>
+          </a:xfrm>
+        </p:spPr>
+        <p:txBody>
+          <a:bodyPr>
+            <a:normAutofit/>
+          </a:bodyPr>
+          <a:lstStyle/>
+          <a:p>
+            <a:pPr marL="36900" indent="0">
+              <a:buNone/>
+            </a:pPr>
+            <a:r>
+              <a:rPr lang="en-US" dirty="0"/>
+              <a:t>1. Re-do’s </a:t>
+            </a:r>
+            <a:r>
+              <a:rPr lang="en-US" sz="2000" dirty="0"/>
+              <a:t>in</a:t>
+            </a:r>
+            <a:r>
+              <a:rPr lang="en-US" dirty="0"/>
+              <a:t> Postgres:</a:t>
+            </a:r>
+          </a:p>
+          <a:p>
+            <a:pPr>
+              <a:buFont typeface="Arial" panose="020B0604020202020204" pitchFamily="34" charset="0"/>
+              <a:buChar char="•"/>
+            </a:pPr>
+            <a:r>
+              <a:rPr lang="en-US" dirty="0"/>
+              <a:t>Fix schema</a:t>
+            </a:r>
+          </a:p>
+          <a:p>
+            <a:pPr>
+              <a:buFont typeface="Arial" panose="020B0604020202020204" pitchFamily="34" charset="0"/>
+              <a:buChar char="•"/>
+            </a:pPr>
+            <a:r>
+              <a:rPr lang="en-US" strike="sngStrike" dirty="0"/>
+              <a:t>“Table already exists”</a:t>
+            </a:r>
+          </a:p>
+        </p:txBody>
+      </p:sp>
+      <p:pic>
+        <p:nvPicPr>
+          <p:cNvPr id="7" name="Picture 6">
+            <a:extLst>
+              <a:ext uri="{FF2B5EF4-FFF2-40B4-BE49-F238E27FC236}">
+                <a16:creationId xmlns:a16="http://schemas.microsoft.com/office/drawing/2014/main" id="{E4F63E23-F635-4DF1-B5AD-F8911CC2E723}"/>
+              </a:ext>
+            </a:extLst>
+          </p:cNvPr>
+          <p:cNvPicPr>
+            <a:picLocks noChangeAspect="1"/>
+          </p:cNvPicPr>
+          <p:nvPr/>
+        </p:nvPicPr>
+        <p:blipFill>
+          <a:blip r:embed="rId2"/>
+          <a:stretch>
+            <a:fillRect/>
+          </a:stretch>
+        </p:blipFill>
+        <p:spPr>
+          <a:xfrm>
+            <a:off x="913794" y="3768678"/>
+            <a:ext cx="2574994" cy="1345362"/>
+          </a:xfrm>
+          <a:prstGeom prst="rect">
+            <a:avLst/>
+          </a:prstGeom>
+        </p:spPr>
+      </p:pic>
+      <p:pic>
+        <p:nvPicPr>
+          <p:cNvPr id="11" name="Picture 10">
+            <a:extLst>
+              <a:ext uri="{FF2B5EF4-FFF2-40B4-BE49-F238E27FC236}">
+                <a16:creationId xmlns:a16="http://schemas.microsoft.com/office/drawing/2014/main" id="{47AC1B30-D99B-4179-B676-58500646B8E7}"/>
+              </a:ext>
+            </a:extLst>
+          </p:cNvPr>
+          <p:cNvPicPr>
+            <a:picLocks noChangeAspect="1"/>
+          </p:cNvPicPr>
+          <p:nvPr/>
+        </p:nvPicPr>
+        <p:blipFill rotWithShape="1">
+          <a:blip r:embed="rId3"/>
+          <a:srcRect l="18692" t="14547" r="67923" b="28810"/>
+          <a:stretch/>
+        </p:blipFill>
+        <p:spPr>
+          <a:xfrm>
+            <a:off x="3770141" y="1914061"/>
+            <a:ext cx="2011681" cy="4786411"/>
+          </a:xfrm>
+          <a:prstGeom prst="rect">
+            <a:avLst/>
+          </a:prstGeom>
+        </p:spPr>
+      </p:pic>
+      <p:sp>
+        <p:nvSpPr>
+          <p:cNvPr id="13" name="Rectangle: Rounded Corners 12">
+            <a:extLst>
+              <a:ext uri="{FF2B5EF4-FFF2-40B4-BE49-F238E27FC236}">
+                <a16:creationId xmlns:a16="http://schemas.microsoft.com/office/drawing/2014/main" id="{10D5DD97-0675-49E4-8849-1B0DC78E0722}"/>
+              </a:ext>
+            </a:extLst>
+          </p:cNvPr>
+          <p:cNvSpPr/>
+          <p:nvPr/>
+        </p:nvSpPr>
+        <p:spPr>
+          <a:xfrm>
+            <a:off x="3967089" y="3207434"/>
+            <a:ext cx="1195754" cy="221566"/>
+          </a:xfrm>
+          <a:prstGeom prst="roundRect">
+            <a:avLst/>
+          </a:prstGeom>
+          <a:noFill/>
+          <a:ln>
+            <a:solidFill>
+              <a:srgbClr val="FF0000"/>
+            </a:solidFill>
+          </a:ln>
+        </p:spPr>
+        <p:style>
+          <a:lnRef idx="2">
+            <a:schemeClr val="accent1">
+              <a:shade val="50000"/>
+            </a:schemeClr>
+          </a:lnRef>
+          <a:fillRef idx="1">
+            <a:schemeClr val="accent1"/>
+          </a:fillRef>
+          <a:effectRef idx="0">
+            <a:schemeClr val="accent1"/>
+          </a:effectRef>
+          <a:fontRef idx="minor">
+            <a:schemeClr val="lt1"/>
+          </a:fontRef>
+        </p:style>
+        <p:txBody>
+          <a:bodyPr rtlCol="0" anchor="ctr"/>
+          <a:lstStyle/>
+          <a:p>
+            <a:pPr algn="ctr"/>
+            <a:endParaRPr lang="en-US"/>
+          </a:p>
+        </p:txBody>
+      </p:sp>
+      <p:cxnSp>
+        <p:nvCxnSpPr>
+          <p:cNvPr id="15" name="Straight Arrow Connector 14">
+            <a:extLst>
+              <a:ext uri="{FF2B5EF4-FFF2-40B4-BE49-F238E27FC236}">
+                <a16:creationId xmlns:a16="http://schemas.microsoft.com/office/drawing/2014/main" id="{7319C037-5C0B-45F5-8E52-FB4AEF35D6C0}"/>
+              </a:ext>
+            </a:extLst>
+          </p:cNvPr>
+          <p:cNvCxnSpPr/>
+          <p:nvPr/>
+        </p:nvCxnSpPr>
+        <p:spPr>
+          <a:xfrm flipH="1">
+            <a:off x="5008098" y="3080825"/>
+            <a:ext cx="436099" cy="0"/>
+          </a:xfrm>
+          <a:prstGeom prst="straightConnector1">
+            <a:avLst/>
+          </a:prstGeom>
+          <a:ln>
+            <a:solidFill>
+              <a:srgbClr val="FF0000"/>
+            </a:solidFill>
+            <a:tailEnd type="triangle"/>
+          </a:ln>
+        </p:spPr>
+        <p:style>
+          <a:lnRef idx="1">
+            <a:schemeClr val="accent1"/>
+          </a:lnRef>
+          <a:fillRef idx="0">
+            <a:schemeClr val="accent1"/>
+          </a:fillRef>
+          <a:effectRef idx="0">
+            <a:schemeClr val="accent1"/>
+          </a:effectRef>
+          <a:fontRef idx="minor">
+            <a:schemeClr val="tx1"/>
+          </a:fontRef>
+        </p:style>
+      </p:cxnSp>
+      <p:sp>
+        <p:nvSpPr>
+          <p:cNvPr id="16" name="Content Placeholder 2">
+            <a:extLst>
+              <a:ext uri="{FF2B5EF4-FFF2-40B4-BE49-F238E27FC236}">
+                <a16:creationId xmlns:a16="http://schemas.microsoft.com/office/drawing/2014/main" id="{7DF63382-9040-40B9-BE96-BFCA4AF2A271}"/>
+              </a:ext>
+            </a:extLst>
+          </p:cNvPr>
+          <p:cNvSpPr txBox="1">
+            <a:spLocks/>
+          </p:cNvSpPr>
+          <p:nvPr/>
+        </p:nvSpPr>
+        <p:spPr>
+          <a:xfrm>
+            <a:off x="6777677" y="2074106"/>
+            <a:ext cx="3365129" cy="1006719"/>
+          </a:xfrm>
+          <a:prstGeom prst="rect">
+            <a:avLst/>
+          </a:prstGeom>
+          <a:effectLst>
+            <a:outerShdw blurRad="25400" dir="17880000">
+              <a:srgbClr val="000000">
+                <a:alpha val="46000"/>
+              </a:srgbClr>
+            </a:outerShdw>
+          </a:effectLst>
+        </p:spPr>
+        <p:txBody>
+          <a:bodyPr vert="horz" lIns="91440" tIns="45720" rIns="91440" bIns="45720" rtlCol="0" anchor="t">
+            <a:normAutofit/>
+          </a:bodyPr>
+          <a:lstStyle>
+            <a:lvl1pPr marL="342900" indent="-306000" algn="l" defTabSz="457200" rtl="0" eaLnBrk="1" latinLnBrk="0" hangingPunct="1">
+              <a:lnSpc>
+                <a:spcPct val="110000"/>
+              </a:lnSpc>
+              <a:spcBef>
+                <a:spcPct val="20000"/>
+              </a:spcBef>
+              <a:spcAft>
+                <a:spcPts val="600"/>
+              </a:spcAft>
+              <a:buClr>
+                <a:schemeClr val="tx2"/>
+              </a:buClr>
+              <a:buSzPct val="70000"/>
+              <a:buFont typeface="Wingdings 2" charset="2"/>
+              <a:buChar char=""/>
+              <a:defRPr sz="1900" kern="1200">
+                <a:ln>
+                  <a:solidFill>
+                    <a:schemeClr val="bg1">
+                      <a:lumMod val="75000"/>
+                      <a:lumOff val="25000"/>
+                      <a:alpha val="10000"/>
+                    </a:schemeClr>
+                  </a:solidFill>
+                </a:ln>
+                <a:solidFill>
+                  <a:schemeClr val="tx2"/>
+                </a:solidFill>
+                <a:effectLst>
+                  <a:outerShdw blurRad="9525" dist="25400" dir="14640000" algn="tl" rotWithShape="0">
+                    <a:schemeClr val="bg1">
+                      <a:alpha val="30000"/>
+                    </a:schemeClr>
+                  </a:outerShdw>
+                </a:effectLst>
+                <a:latin typeface="+mn-lt"/>
+                <a:ea typeface="+mn-ea"/>
+                <a:cs typeface="+mn-cs"/>
+              </a:defRPr>
+            </a:lvl1pPr>
+            <a:lvl2pPr marL="720000" indent="-270000" algn="l" defTabSz="457200" rtl="0" eaLnBrk="1" latinLnBrk="0" hangingPunct="1">
+              <a:lnSpc>
+                <a:spcPct val="110000"/>
+              </a:lnSpc>
+              <a:spcBef>
+                <a:spcPct val="20000"/>
+              </a:spcBef>
+              <a:spcAft>
+                <a:spcPts val="600"/>
+              </a:spcAft>
+              <a:buClr>
+                <a:schemeClr val="tx2"/>
+              </a:buClr>
+              <a:buSzPct val="70000"/>
+              <a:buFont typeface="Wingdings 2" charset="2"/>
+              <a:buChar char=""/>
+              <a:defRPr sz="1700" kern="1200">
+                <a:ln>
+                  <a:solidFill>
+                    <a:schemeClr val="bg1">
+                      <a:lumMod val="75000"/>
+                      <a:lumOff val="25000"/>
+                      <a:alpha val="10000"/>
+                    </a:schemeClr>
+                  </a:solidFill>
+                </a:ln>
+                <a:solidFill>
+                  <a:schemeClr val="tx2"/>
+                </a:solidFill>
+                <a:effectLst>
+                  <a:outerShdw blurRad="9525" dist="25400" dir="14640000" algn="tl" rotWithShape="0">
+                    <a:schemeClr val="bg1">
+                      <a:alpha val="30000"/>
+                    </a:schemeClr>
+                  </a:outerShdw>
+                </a:effectLst>
+                <a:latin typeface="+mn-lt"/>
+                <a:ea typeface="+mn-ea"/>
+                <a:cs typeface="+mn-cs"/>
+              </a:defRPr>
+            </a:lvl2pPr>
+            <a:lvl3pPr marL="1026000" indent="-216000" algn="l" defTabSz="457200" rtl="0" eaLnBrk="1" latinLnBrk="0" hangingPunct="1">
+              <a:lnSpc>
+                <a:spcPct val="110000"/>
+              </a:lnSpc>
+              <a:spcBef>
+                <a:spcPct val="20000"/>
+              </a:spcBef>
+              <a:spcAft>
+                <a:spcPts val="600"/>
+              </a:spcAft>
+              <a:buClr>
+                <a:schemeClr val="tx2"/>
+              </a:buClr>
+              <a:buSzPct val="70000"/>
+              <a:buFont typeface="Wingdings 2" charset="2"/>
+              <a:buChar char=""/>
+              <a:defRPr sz="1500" kern="1200">
+                <a:ln>
+                  <a:solidFill>
+                    <a:schemeClr val="bg1">
+                      <a:lumMod val="75000"/>
+                      <a:lumOff val="25000"/>
+                      <a:alpha val="10000"/>
+                    </a:schemeClr>
+                  </a:solidFill>
+                </a:ln>
+                <a:solidFill>
+                  <a:schemeClr val="tx2"/>
+                </a:solidFill>
+                <a:effectLst>
+                  <a:outerShdw blurRad="9525" dist="25400" dir="14640000" algn="tl" rotWithShape="0">
+                    <a:schemeClr val="bg1">
+                      <a:alpha val="30000"/>
+                    </a:schemeClr>
+                  </a:outerShdw>
+                </a:effectLst>
+                <a:latin typeface="+mn-lt"/>
+                <a:ea typeface="+mn-ea"/>
+                <a:cs typeface="+mn-cs"/>
+              </a:defRPr>
+            </a:lvl3pPr>
+            <a:lvl4pPr marL="1386000" indent="-216000" algn="l" defTabSz="457200" rtl="0" eaLnBrk="1" latinLnBrk="0" hangingPunct="1">
+              <a:lnSpc>
+                <a:spcPct val="110000"/>
+              </a:lnSpc>
+              <a:spcBef>
+                <a:spcPct val="20000"/>
+              </a:spcBef>
+              <a:spcAft>
+                <a:spcPts val="600"/>
+              </a:spcAft>
+              <a:buClr>
+                <a:schemeClr val="tx2"/>
+              </a:buClr>
+              <a:buSzPct val="70000"/>
+              <a:buFont typeface="Wingdings 2" charset="2"/>
+              <a:buChar char=""/>
+              <a:defRPr sz="1300" kern="1200">
+                <a:ln>
+                  <a:solidFill>
+                    <a:schemeClr val="bg1">
+                      <a:lumMod val="75000"/>
+                      <a:lumOff val="25000"/>
+                      <a:alpha val="10000"/>
+                    </a:schemeClr>
+                  </a:solidFill>
+                </a:ln>
+                <a:solidFill>
+                  <a:schemeClr val="tx2"/>
+                </a:solidFill>
+                <a:effectLst>
+                  <a:outerShdw blurRad="9525" dist="25400" dir="14640000" algn="tl" rotWithShape="0">
+                    <a:schemeClr val="bg1">
+                      <a:alpha val="30000"/>
+                    </a:schemeClr>
+                  </a:outerShdw>
+                </a:effectLst>
+                <a:latin typeface="+mn-lt"/>
+                <a:ea typeface="+mn-ea"/>
+                <a:cs typeface="+mn-cs"/>
+              </a:defRPr>
+            </a:lvl4pPr>
+            <a:lvl5pPr marL="1674000" indent="-216000" algn="l" defTabSz="457200" rtl="0" eaLnBrk="1" latinLnBrk="0" hangingPunct="1">
+              <a:lnSpc>
+                <a:spcPct val="110000"/>
+              </a:lnSpc>
+              <a:spcBef>
+                <a:spcPct val="20000"/>
+              </a:spcBef>
+              <a:spcAft>
+                <a:spcPts val="600"/>
+              </a:spcAft>
+              <a:buClr>
+                <a:schemeClr val="tx2"/>
+              </a:buClr>
+              <a:buSzPct val="70000"/>
+              <a:buFont typeface="Wingdings 2" charset="2"/>
+              <a:buChar char=""/>
+              <a:defRPr sz="1300" kern="1200">
+                <a:ln>
+                  <a:solidFill>
+                    <a:schemeClr val="bg1">
+                      <a:lumMod val="75000"/>
+                      <a:lumOff val="25000"/>
+                      <a:alpha val="10000"/>
+                    </a:schemeClr>
+                  </a:solidFill>
+                </a:ln>
+                <a:solidFill>
+                  <a:schemeClr val="tx2"/>
+                </a:solidFill>
+                <a:effectLst>
+                  <a:outerShdw blurRad="9525" dist="25400" dir="14640000" algn="tl" rotWithShape="0">
+                    <a:schemeClr val="bg1">
+                      <a:alpha val="30000"/>
+                    </a:schemeClr>
+                  </a:outerShdw>
+                </a:effectLst>
+                <a:latin typeface="+mn-lt"/>
+                <a:ea typeface="+mn-ea"/>
+                <a:cs typeface="+mn-cs"/>
+              </a:defRPr>
+            </a:lvl5pPr>
+            <a:lvl6pPr marL="2014600" indent="-228600" algn="l" defTabSz="457200" rtl="0" eaLnBrk="1" latinLnBrk="0" hangingPunct="1">
+              <a:spcBef>
+                <a:spcPct val="20000"/>
+              </a:spcBef>
+              <a:spcAft>
+                <a:spcPts val="600"/>
+              </a:spcAft>
+              <a:buClr>
+                <a:schemeClr val="tx2"/>
+              </a:buClr>
+              <a:buSzPct val="70000"/>
+              <a:buFont typeface="Wingdings 2" charset="2"/>
+              <a:buChar char=""/>
+              <a:defRPr sz="1400" kern="1200">
+                <a:ln>
+                  <a:solidFill>
+                    <a:schemeClr val="bg1">
+                      <a:lumMod val="75000"/>
+                      <a:lumOff val="25000"/>
+                      <a:alpha val="10000"/>
+                    </a:schemeClr>
+                  </a:solidFill>
+                </a:ln>
+                <a:solidFill>
+                  <a:schemeClr val="tx2"/>
+                </a:solidFill>
+                <a:effectLst>
+                  <a:outerShdw blurRad="9525" dist="25400" dir="14640000" algn="tl" rotWithShape="0">
+                    <a:schemeClr val="bg1">
+                      <a:alpha val="30000"/>
+                    </a:schemeClr>
+                  </a:outerShdw>
+                </a:effectLst>
+                <a:latin typeface="+mn-lt"/>
+                <a:ea typeface="+mn-ea"/>
+                <a:cs typeface="+mn-cs"/>
+              </a:defRPr>
+            </a:lvl6pPr>
+            <a:lvl7pPr marL="2401800" indent="-228600" algn="l" defTabSz="457200" rtl="0" eaLnBrk="1" latinLnBrk="0" hangingPunct="1">
+              <a:spcBef>
+                <a:spcPct val="20000"/>
+              </a:spcBef>
+              <a:spcAft>
+                <a:spcPts val="600"/>
+              </a:spcAft>
+              <a:buClr>
+                <a:schemeClr val="tx2"/>
+              </a:buClr>
+              <a:buSzPct val="70000"/>
+              <a:buFont typeface="Wingdings 2" charset="2"/>
+              <a:buChar char=""/>
+              <a:defRPr sz="1400" kern="1200">
+                <a:ln>
+                  <a:solidFill>
+                    <a:schemeClr val="bg1">
+                      <a:lumMod val="75000"/>
+                      <a:lumOff val="25000"/>
+                      <a:alpha val="10000"/>
+                    </a:schemeClr>
+                  </a:solidFill>
+                </a:ln>
+                <a:solidFill>
+                  <a:schemeClr val="tx2"/>
+                </a:solidFill>
+                <a:effectLst>
+                  <a:outerShdw blurRad="9525" dist="25400" dir="14640000" algn="tl" rotWithShape="0">
+                    <a:schemeClr val="bg1">
+                      <a:alpha val="30000"/>
+                    </a:schemeClr>
+                  </a:outerShdw>
+                </a:effectLst>
+                <a:latin typeface="+mn-lt"/>
+                <a:ea typeface="+mn-ea"/>
+                <a:cs typeface="+mn-cs"/>
+              </a:defRPr>
+            </a:lvl7pPr>
+            <a:lvl8pPr marL="2789000" indent="-228600" algn="l" defTabSz="457200" rtl="0" eaLnBrk="1" latinLnBrk="0" hangingPunct="1">
+              <a:spcBef>
+                <a:spcPct val="20000"/>
+              </a:spcBef>
+              <a:spcAft>
+                <a:spcPts val="600"/>
+              </a:spcAft>
+              <a:buClr>
+                <a:schemeClr val="tx2"/>
+              </a:buClr>
+              <a:buSzPct val="70000"/>
+              <a:buFont typeface="Wingdings 2" charset="2"/>
+              <a:buChar char=""/>
+              <a:defRPr sz="1400" kern="1200">
+                <a:ln>
+                  <a:solidFill>
+                    <a:schemeClr val="bg1">
+                      <a:lumMod val="75000"/>
+                      <a:lumOff val="25000"/>
+                      <a:alpha val="10000"/>
+                    </a:schemeClr>
+                  </a:solidFill>
+                </a:ln>
+                <a:solidFill>
+                  <a:schemeClr val="tx2"/>
+                </a:solidFill>
+                <a:effectLst>
+                  <a:outerShdw blurRad="9525" dist="25400" dir="14640000" algn="tl" rotWithShape="0">
+                    <a:schemeClr val="bg1">
+                      <a:alpha val="30000"/>
+                    </a:schemeClr>
+                  </a:outerShdw>
+                </a:effectLst>
+                <a:latin typeface="+mn-lt"/>
+                <a:ea typeface="+mn-ea"/>
+                <a:cs typeface="+mn-cs"/>
+              </a:defRPr>
+            </a:lvl8pPr>
+            <a:lvl9pPr marL="3106200" indent="-228600" algn="l" defTabSz="457200" rtl="0" eaLnBrk="1" latinLnBrk="0" hangingPunct="1">
+              <a:spcBef>
+                <a:spcPct val="20000"/>
+              </a:spcBef>
+              <a:spcAft>
+                <a:spcPts val="600"/>
+              </a:spcAft>
+              <a:buClr>
+                <a:schemeClr val="tx2"/>
+              </a:buClr>
+              <a:buSzPct val="70000"/>
+              <a:buFont typeface="Wingdings 2" charset="2"/>
+              <a:buChar char=""/>
+              <a:defRPr sz="1400" kern="1200">
+                <a:ln>
+                  <a:solidFill>
+                    <a:schemeClr val="bg1">
+                      <a:lumMod val="75000"/>
+                      <a:lumOff val="25000"/>
+                      <a:alpha val="10000"/>
+                    </a:schemeClr>
+                  </a:solidFill>
+                </a:ln>
+                <a:solidFill>
+                  <a:schemeClr val="tx2"/>
+                </a:solidFill>
+                <a:effectLst>
+                  <a:outerShdw blurRad="9525" dist="25400" dir="14640000" algn="tl" rotWithShape="0">
+                    <a:schemeClr val="bg1">
+                      <a:alpha val="30000"/>
+                    </a:schemeClr>
+                  </a:outerShdw>
+                </a:effectLst>
+                <a:latin typeface="+mn-lt"/>
+                <a:ea typeface="+mn-ea"/>
+                <a:cs typeface="+mn-cs"/>
+              </a:defRPr>
+            </a:lvl9pPr>
+          </a:lstStyle>
+          <a:p>
+            <a:pPr marL="36900" indent="0">
+              <a:buFont typeface="Wingdings 2" charset="2"/>
+              <a:buNone/>
+            </a:pPr>
+            <a:r>
+              <a:rPr lang="en-US" dirty="0"/>
+              <a:t>2. Exposure avoidance:</a:t>
+            </a:r>
+          </a:p>
+          <a:p>
+            <a:pPr>
+              <a:buFont typeface="Arial" panose="020B0604020202020204" pitchFamily="34" charset="0"/>
+              <a:buChar char="•"/>
+            </a:pPr>
+            <a:r>
+              <a:rPr lang="en-US" dirty="0"/>
+              <a:t>GitiHub (creating new repo)</a:t>
+            </a:r>
+          </a:p>
+        </p:txBody>
+      </p:sp>
+      <p:pic>
+        <p:nvPicPr>
+          <p:cNvPr id="20" name="Picture 19">
+            <a:extLst>
+              <a:ext uri="{FF2B5EF4-FFF2-40B4-BE49-F238E27FC236}">
+                <a16:creationId xmlns:a16="http://schemas.microsoft.com/office/drawing/2014/main" id="{8FE09A2F-7BF1-493A-BF3F-5981F609D57A}"/>
+              </a:ext>
+            </a:extLst>
+          </p:cNvPr>
+          <p:cNvPicPr>
+            <a:picLocks noChangeAspect="1"/>
+          </p:cNvPicPr>
+          <p:nvPr/>
+        </p:nvPicPr>
+        <p:blipFill>
+          <a:blip r:embed="rId4"/>
+          <a:stretch>
+            <a:fillRect/>
+          </a:stretch>
+        </p:blipFill>
+        <p:spPr>
+          <a:xfrm>
+            <a:off x="6777677" y="3227142"/>
+            <a:ext cx="4998835" cy="768083"/>
+          </a:xfrm>
+          <a:prstGeom prst="rect">
+            <a:avLst/>
+          </a:prstGeom>
+        </p:spPr>
+      </p:pic>
+      <p:sp>
+        <p:nvSpPr>
+          <p:cNvPr id="21" name="Content Placeholder 2">
+            <a:extLst>
+              <a:ext uri="{FF2B5EF4-FFF2-40B4-BE49-F238E27FC236}">
+                <a16:creationId xmlns:a16="http://schemas.microsoft.com/office/drawing/2014/main" id="{482849D6-9678-4D2C-BD2C-CA2AD72171ED}"/>
+              </a:ext>
+            </a:extLst>
+          </p:cNvPr>
+          <p:cNvSpPr txBox="1">
+            <a:spLocks/>
+          </p:cNvSpPr>
+          <p:nvPr/>
+        </p:nvSpPr>
+        <p:spPr>
+          <a:xfrm>
+            <a:off x="6777677" y="4307266"/>
+            <a:ext cx="3365129" cy="1347946"/>
+          </a:xfrm>
+          <a:prstGeom prst="rect">
+            <a:avLst/>
+          </a:prstGeom>
+          <a:effectLst>
+            <a:outerShdw blurRad="25400" dir="17880000">
+              <a:srgbClr val="000000">
+                <a:alpha val="46000"/>
+              </a:srgbClr>
+            </a:outerShdw>
+          </a:effectLst>
+        </p:spPr>
+        <p:txBody>
+          <a:bodyPr vert="horz" lIns="91440" tIns="45720" rIns="91440" bIns="45720" rtlCol="0" anchor="t">
+            <a:normAutofit/>
+          </a:bodyPr>
+          <a:lstStyle>
+            <a:lvl1pPr marL="342900" indent="-306000" algn="l" defTabSz="457200" rtl="0" eaLnBrk="1" latinLnBrk="0" hangingPunct="1">
+              <a:lnSpc>
+                <a:spcPct val="110000"/>
+              </a:lnSpc>
+              <a:spcBef>
+                <a:spcPct val="20000"/>
+              </a:spcBef>
+              <a:spcAft>
+                <a:spcPts val="600"/>
+              </a:spcAft>
+              <a:buClr>
+                <a:schemeClr val="tx2"/>
+              </a:buClr>
+              <a:buSzPct val="70000"/>
+              <a:buFont typeface="Wingdings 2" charset="2"/>
+              <a:buChar char=""/>
+              <a:defRPr sz="1900" kern="1200">
+                <a:ln>
+                  <a:solidFill>
+                    <a:schemeClr val="bg1">
+                      <a:lumMod val="75000"/>
+                      <a:lumOff val="25000"/>
+                      <a:alpha val="10000"/>
+                    </a:schemeClr>
+                  </a:solidFill>
+                </a:ln>
+                <a:solidFill>
+                  <a:schemeClr val="tx2"/>
+                </a:solidFill>
+                <a:effectLst>
+                  <a:outerShdw blurRad="9525" dist="25400" dir="14640000" algn="tl" rotWithShape="0">
+                    <a:schemeClr val="bg1">
+                      <a:alpha val="30000"/>
+                    </a:schemeClr>
+                  </a:outerShdw>
+                </a:effectLst>
+                <a:latin typeface="+mn-lt"/>
+                <a:ea typeface="+mn-ea"/>
+                <a:cs typeface="+mn-cs"/>
+              </a:defRPr>
+            </a:lvl1pPr>
+            <a:lvl2pPr marL="720000" indent="-270000" algn="l" defTabSz="457200" rtl="0" eaLnBrk="1" latinLnBrk="0" hangingPunct="1">
+              <a:lnSpc>
+                <a:spcPct val="110000"/>
+              </a:lnSpc>
+              <a:spcBef>
+                <a:spcPct val="20000"/>
+              </a:spcBef>
+              <a:spcAft>
+                <a:spcPts val="600"/>
+              </a:spcAft>
+              <a:buClr>
+                <a:schemeClr val="tx2"/>
+              </a:buClr>
+              <a:buSzPct val="70000"/>
+              <a:buFont typeface="Wingdings 2" charset="2"/>
+              <a:buChar char=""/>
+              <a:defRPr sz="1700" kern="1200">
+                <a:ln>
+                  <a:solidFill>
+                    <a:schemeClr val="bg1">
+                      <a:lumMod val="75000"/>
+                      <a:lumOff val="25000"/>
+                      <a:alpha val="10000"/>
+                    </a:schemeClr>
+                  </a:solidFill>
+                </a:ln>
+                <a:solidFill>
+                  <a:schemeClr val="tx2"/>
+                </a:solidFill>
+                <a:effectLst>
+                  <a:outerShdw blurRad="9525" dist="25400" dir="14640000" algn="tl" rotWithShape="0">
+                    <a:schemeClr val="bg1">
+                      <a:alpha val="30000"/>
+                    </a:schemeClr>
+                  </a:outerShdw>
+                </a:effectLst>
+                <a:latin typeface="+mn-lt"/>
+                <a:ea typeface="+mn-ea"/>
+                <a:cs typeface="+mn-cs"/>
+              </a:defRPr>
+            </a:lvl2pPr>
+            <a:lvl3pPr marL="1026000" indent="-216000" algn="l" defTabSz="457200" rtl="0" eaLnBrk="1" latinLnBrk="0" hangingPunct="1">
+              <a:lnSpc>
+                <a:spcPct val="110000"/>
+              </a:lnSpc>
+              <a:spcBef>
+                <a:spcPct val="20000"/>
+              </a:spcBef>
+              <a:spcAft>
+                <a:spcPts val="600"/>
+              </a:spcAft>
+              <a:buClr>
+                <a:schemeClr val="tx2"/>
+              </a:buClr>
+              <a:buSzPct val="70000"/>
+              <a:buFont typeface="Wingdings 2" charset="2"/>
+              <a:buChar char=""/>
+              <a:defRPr sz="1500" kern="1200">
+                <a:ln>
+                  <a:solidFill>
+                    <a:schemeClr val="bg1">
+                      <a:lumMod val="75000"/>
+                      <a:lumOff val="25000"/>
+                      <a:alpha val="10000"/>
+                    </a:schemeClr>
+                  </a:solidFill>
+                </a:ln>
+                <a:solidFill>
+                  <a:schemeClr val="tx2"/>
+                </a:solidFill>
+                <a:effectLst>
+                  <a:outerShdw blurRad="9525" dist="25400" dir="14640000" algn="tl" rotWithShape="0">
+                    <a:schemeClr val="bg1">
+                      <a:alpha val="30000"/>
+                    </a:schemeClr>
+                  </a:outerShdw>
+                </a:effectLst>
+                <a:latin typeface="+mn-lt"/>
+                <a:ea typeface="+mn-ea"/>
+                <a:cs typeface="+mn-cs"/>
+              </a:defRPr>
+            </a:lvl3pPr>
+            <a:lvl4pPr marL="1386000" indent="-216000" algn="l" defTabSz="457200" rtl="0" eaLnBrk="1" latinLnBrk="0" hangingPunct="1">
+              <a:lnSpc>
+                <a:spcPct val="110000"/>
+              </a:lnSpc>
+              <a:spcBef>
+                <a:spcPct val="20000"/>
+              </a:spcBef>
+              <a:spcAft>
+                <a:spcPts val="600"/>
+              </a:spcAft>
+              <a:buClr>
+                <a:schemeClr val="tx2"/>
+              </a:buClr>
+              <a:buSzPct val="70000"/>
+              <a:buFont typeface="Wingdings 2" charset="2"/>
+              <a:buChar char=""/>
+              <a:defRPr sz="1300" kern="1200">
+                <a:ln>
+                  <a:solidFill>
+                    <a:schemeClr val="bg1">
+                      <a:lumMod val="75000"/>
+                      <a:lumOff val="25000"/>
+                      <a:alpha val="10000"/>
+                    </a:schemeClr>
+                  </a:solidFill>
+                </a:ln>
+                <a:solidFill>
+                  <a:schemeClr val="tx2"/>
+                </a:solidFill>
+                <a:effectLst>
+                  <a:outerShdw blurRad="9525" dist="25400" dir="14640000" algn="tl" rotWithShape="0">
+                    <a:schemeClr val="bg1">
+                      <a:alpha val="30000"/>
+                    </a:schemeClr>
+                  </a:outerShdw>
+                </a:effectLst>
+                <a:latin typeface="+mn-lt"/>
+                <a:ea typeface="+mn-ea"/>
+                <a:cs typeface="+mn-cs"/>
+              </a:defRPr>
+            </a:lvl4pPr>
+            <a:lvl5pPr marL="1674000" indent="-216000" algn="l" defTabSz="457200" rtl="0" eaLnBrk="1" latinLnBrk="0" hangingPunct="1">
+              <a:lnSpc>
+                <a:spcPct val="110000"/>
+              </a:lnSpc>
+              <a:spcBef>
+                <a:spcPct val="20000"/>
+              </a:spcBef>
+              <a:spcAft>
+                <a:spcPts val="600"/>
+              </a:spcAft>
+              <a:buClr>
+                <a:schemeClr val="tx2"/>
+              </a:buClr>
+              <a:buSzPct val="70000"/>
+              <a:buFont typeface="Wingdings 2" charset="2"/>
+              <a:buChar char=""/>
+              <a:defRPr sz="1300" kern="1200">
+                <a:ln>
+                  <a:solidFill>
+                    <a:schemeClr val="bg1">
+                      <a:lumMod val="75000"/>
+                      <a:lumOff val="25000"/>
+                      <a:alpha val="10000"/>
+                    </a:schemeClr>
+                  </a:solidFill>
+                </a:ln>
+                <a:solidFill>
+                  <a:schemeClr val="tx2"/>
+                </a:solidFill>
+                <a:effectLst>
+                  <a:outerShdw blurRad="9525" dist="25400" dir="14640000" algn="tl" rotWithShape="0">
+                    <a:schemeClr val="bg1">
+                      <a:alpha val="30000"/>
+                    </a:schemeClr>
+                  </a:outerShdw>
+                </a:effectLst>
+                <a:latin typeface="+mn-lt"/>
+                <a:ea typeface="+mn-ea"/>
+                <a:cs typeface="+mn-cs"/>
+              </a:defRPr>
+            </a:lvl5pPr>
+            <a:lvl6pPr marL="2014600" indent="-228600" algn="l" defTabSz="457200" rtl="0" eaLnBrk="1" latinLnBrk="0" hangingPunct="1">
+              <a:spcBef>
+                <a:spcPct val="20000"/>
+              </a:spcBef>
+              <a:spcAft>
+                <a:spcPts val="600"/>
+              </a:spcAft>
+              <a:buClr>
+                <a:schemeClr val="tx2"/>
+              </a:buClr>
+              <a:buSzPct val="70000"/>
+              <a:buFont typeface="Wingdings 2" charset="2"/>
+              <a:buChar char=""/>
+              <a:defRPr sz="1400" kern="1200">
+                <a:ln>
+                  <a:solidFill>
+                    <a:schemeClr val="bg1">
+                      <a:lumMod val="75000"/>
+                      <a:lumOff val="25000"/>
+                      <a:alpha val="10000"/>
+                    </a:schemeClr>
+                  </a:solidFill>
+                </a:ln>
+                <a:solidFill>
+                  <a:schemeClr val="tx2"/>
+                </a:solidFill>
+                <a:effectLst>
+                  <a:outerShdw blurRad="9525" dist="25400" dir="14640000" algn="tl" rotWithShape="0">
+                    <a:schemeClr val="bg1">
+                      <a:alpha val="30000"/>
+                    </a:schemeClr>
+                  </a:outerShdw>
+                </a:effectLst>
+                <a:latin typeface="+mn-lt"/>
+                <a:ea typeface="+mn-ea"/>
+                <a:cs typeface="+mn-cs"/>
+              </a:defRPr>
+            </a:lvl6pPr>
+            <a:lvl7pPr marL="2401800" indent="-228600" algn="l" defTabSz="457200" rtl="0" eaLnBrk="1" latinLnBrk="0" hangingPunct="1">
+              <a:spcBef>
+                <a:spcPct val="20000"/>
+              </a:spcBef>
+              <a:spcAft>
+                <a:spcPts val="600"/>
+              </a:spcAft>
+              <a:buClr>
+                <a:schemeClr val="tx2"/>
+              </a:buClr>
+              <a:buSzPct val="70000"/>
+              <a:buFont typeface="Wingdings 2" charset="2"/>
+              <a:buChar char=""/>
+              <a:defRPr sz="1400" kern="1200">
+                <a:ln>
+                  <a:solidFill>
+                    <a:schemeClr val="bg1">
+                      <a:lumMod val="75000"/>
+                      <a:lumOff val="25000"/>
+                      <a:alpha val="10000"/>
+                    </a:schemeClr>
+                  </a:solidFill>
+                </a:ln>
+                <a:solidFill>
+                  <a:schemeClr val="tx2"/>
+                </a:solidFill>
+                <a:effectLst>
+                  <a:outerShdw blurRad="9525" dist="25400" dir="14640000" algn="tl" rotWithShape="0">
+                    <a:schemeClr val="bg1">
+                      <a:alpha val="30000"/>
+                    </a:schemeClr>
+                  </a:outerShdw>
+                </a:effectLst>
+                <a:latin typeface="+mn-lt"/>
+                <a:ea typeface="+mn-ea"/>
+                <a:cs typeface="+mn-cs"/>
+              </a:defRPr>
+            </a:lvl7pPr>
+            <a:lvl8pPr marL="2789000" indent="-228600" algn="l" defTabSz="457200" rtl="0" eaLnBrk="1" latinLnBrk="0" hangingPunct="1">
+              <a:spcBef>
+                <a:spcPct val="20000"/>
+              </a:spcBef>
+              <a:spcAft>
+                <a:spcPts val="600"/>
+              </a:spcAft>
+              <a:buClr>
+                <a:schemeClr val="tx2"/>
+              </a:buClr>
+              <a:buSzPct val="70000"/>
+              <a:buFont typeface="Wingdings 2" charset="2"/>
+              <a:buChar char=""/>
+              <a:defRPr sz="1400" kern="1200">
+                <a:ln>
+                  <a:solidFill>
+                    <a:schemeClr val="bg1">
+                      <a:lumMod val="75000"/>
+                      <a:lumOff val="25000"/>
+                      <a:alpha val="10000"/>
+                    </a:schemeClr>
+                  </a:solidFill>
+                </a:ln>
+                <a:solidFill>
+                  <a:schemeClr val="tx2"/>
+                </a:solidFill>
+                <a:effectLst>
+                  <a:outerShdw blurRad="9525" dist="25400" dir="14640000" algn="tl" rotWithShape="0">
+                    <a:schemeClr val="bg1">
+                      <a:alpha val="30000"/>
+                    </a:schemeClr>
+                  </a:outerShdw>
+                </a:effectLst>
+                <a:latin typeface="+mn-lt"/>
+                <a:ea typeface="+mn-ea"/>
+                <a:cs typeface="+mn-cs"/>
+              </a:defRPr>
+            </a:lvl8pPr>
+            <a:lvl9pPr marL="3106200" indent="-228600" algn="l" defTabSz="457200" rtl="0" eaLnBrk="1" latinLnBrk="0" hangingPunct="1">
+              <a:spcBef>
+                <a:spcPct val="20000"/>
+              </a:spcBef>
+              <a:spcAft>
+                <a:spcPts val="600"/>
+              </a:spcAft>
+              <a:buClr>
+                <a:schemeClr val="tx2"/>
+              </a:buClr>
+              <a:buSzPct val="70000"/>
+              <a:buFont typeface="Wingdings 2" charset="2"/>
+              <a:buChar char=""/>
+              <a:defRPr sz="1400" kern="1200">
+                <a:ln>
+                  <a:solidFill>
+                    <a:schemeClr val="bg1">
+                      <a:lumMod val="75000"/>
+                      <a:lumOff val="25000"/>
+                      <a:alpha val="10000"/>
+                    </a:schemeClr>
+                  </a:solidFill>
+                </a:ln>
+                <a:solidFill>
+                  <a:schemeClr val="tx2"/>
+                </a:solidFill>
+                <a:effectLst>
+                  <a:outerShdw blurRad="9525" dist="25400" dir="14640000" algn="tl" rotWithShape="0">
+                    <a:schemeClr val="bg1">
+                      <a:alpha val="30000"/>
+                    </a:schemeClr>
+                  </a:outerShdw>
+                </a:effectLst>
+                <a:latin typeface="+mn-lt"/>
+                <a:ea typeface="+mn-ea"/>
+                <a:cs typeface="+mn-cs"/>
+              </a:defRPr>
+            </a:lvl9pPr>
+          </a:lstStyle>
+          <a:p>
+            <a:pPr>
+              <a:buFont typeface="Arial" panose="020B0604020202020204" pitchFamily="34" charset="0"/>
+              <a:buChar char="•"/>
+            </a:pPr>
+            <a:r>
+              <a:rPr lang="en-US" dirty="0"/>
+              <a:t>GitiBash</a:t>
+            </a:r>
+          </a:p>
+          <a:p>
+            <a:pPr lvl="1">
+              <a:buFont typeface="Arial" panose="020B0604020202020204" pitchFamily="34" charset="0"/>
+              <a:buChar char="•"/>
+            </a:pPr>
+            <a:r>
+              <a:rPr lang="en-US" dirty="0"/>
+              <a:t>File names in this folder</a:t>
+            </a:r>
+          </a:p>
+          <a:p>
+            <a:pPr lvl="1">
+              <a:buFont typeface="Arial" panose="020B0604020202020204" pitchFamily="34" charset="0"/>
+              <a:buChar char="•"/>
+            </a:pPr>
+            <a:r>
+              <a:rPr lang="en-US" dirty="0"/>
+              <a:t>“git add .” excludes</a:t>
+            </a:r>
+          </a:p>
+        </p:txBody>
+      </p:sp>
+      <p:sp>
+        <p:nvSpPr>
+          <p:cNvPr id="26" name="Rectangle: Rounded Corners 25">
+            <a:extLst>
+              <a:ext uri="{FF2B5EF4-FFF2-40B4-BE49-F238E27FC236}">
+                <a16:creationId xmlns:a16="http://schemas.microsoft.com/office/drawing/2014/main" id="{2BC7CBD5-1D6F-4112-BBE9-5131F34E4D83}"/>
+              </a:ext>
+            </a:extLst>
+          </p:cNvPr>
+          <p:cNvSpPr/>
+          <p:nvPr/>
+        </p:nvSpPr>
+        <p:spPr>
+          <a:xfrm>
+            <a:off x="7512148" y="4754880"/>
+            <a:ext cx="1097280" cy="359160"/>
+          </a:xfrm>
+          <a:prstGeom prst="roundRect">
+            <a:avLst/>
+          </a:prstGeom>
+          <a:noFill/>
+          <a:ln>
+            <a:solidFill>
+              <a:srgbClr val="FF0000"/>
+            </a:solidFill>
+          </a:ln>
+        </p:spPr>
+        <p:style>
+          <a:lnRef idx="2">
+            <a:schemeClr val="accent1">
+              <a:shade val="50000"/>
+            </a:schemeClr>
+          </a:lnRef>
+          <a:fillRef idx="1">
+            <a:schemeClr val="accent1"/>
+          </a:fillRef>
+          <a:effectRef idx="0">
+            <a:schemeClr val="accent1"/>
+          </a:effectRef>
+          <a:fontRef idx="minor">
+            <a:schemeClr val="lt1"/>
+          </a:fontRef>
+        </p:style>
+        <p:txBody>
+          <a:bodyPr rtlCol="0" anchor="ctr"/>
+          <a:lstStyle/>
+          <a:p>
+            <a:pPr algn="ctr"/>
+            <a:endParaRPr lang="en-US"/>
+          </a:p>
+        </p:txBody>
+      </p:sp>
+      <p:cxnSp>
+        <p:nvCxnSpPr>
+          <p:cNvPr id="30" name="Connector: Curved 29">
+            <a:extLst>
+              <a:ext uri="{FF2B5EF4-FFF2-40B4-BE49-F238E27FC236}">
+                <a16:creationId xmlns:a16="http://schemas.microsoft.com/office/drawing/2014/main" id="{BE68F15F-6C4D-4A31-BBB2-AD500FCBBD29}"/>
+              </a:ext>
+            </a:extLst>
+          </p:cNvPr>
+          <p:cNvCxnSpPr>
+            <a:cxnSpLocks/>
+          </p:cNvCxnSpPr>
+          <p:nvPr/>
+        </p:nvCxnSpPr>
+        <p:spPr>
+          <a:xfrm rot="10800000">
+            <a:off x="8736039" y="5114045"/>
+            <a:ext cx="607860" cy="241423"/>
+          </a:xfrm>
+          <a:prstGeom prst="curvedConnector3">
+            <a:avLst>
+              <a:gd name="adj1" fmla="val -93486"/>
+            </a:avLst>
+          </a:prstGeom>
+          <a:ln>
+            <a:solidFill>
+              <a:srgbClr val="FF0000"/>
+            </a:solidFill>
+            <a:tailEnd type="triangle"/>
+          </a:ln>
+        </p:spPr>
+        <p:style>
+          <a:lnRef idx="1">
+            <a:schemeClr val="accent1"/>
+          </a:lnRef>
+          <a:fillRef idx="0">
+            <a:schemeClr val="accent1"/>
+          </a:fillRef>
+          <a:effectRef idx="0">
+            <a:schemeClr val="accent1"/>
+          </a:effectRef>
+          <a:fontRef idx="minor">
+            <a:schemeClr val="tx1"/>
+          </a:fontRef>
+        </p:style>
+      </p:cxnSp>
+    </p:spTree>
+    <p:extLst>
+      <p:ext uri="{BB962C8B-B14F-4D97-AF65-F5344CB8AC3E}">
+        <p14:creationId xmlns:p14="http://schemas.microsoft.com/office/powerpoint/2010/main" val="2750640259"/>
+      </p:ext>
+    </p:extLst>
+  </p:cSld>
+  <p:clrMapOvr>
+    <a:masterClrMapping/>
+  </p:clrMapOvr>
+</p:sld>
+</file>
+
 <file path=ppt/slides/slide2.xml><?xml version="1.0" encoding="utf-8"?>
 <p:sld xmlns:a="http://schemas.openxmlformats.org/drawingml/2006/main" xmlns:r="http://schemas.openxmlformats.org/officeDocument/2006/relationships" xmlns:p="http://schemas.openxmlformats.org/presentationml/2006/main">
   <p:cSld>
@@ -12472,6 +13853,7 @@
       <p:pic>
         <p:nvPicPr>
           <p:cNvPr id="15" name="Content Placeholder 14">
+            <a:hlinkClick r:id="rId2"/>
             <a:extLst>
               <a:ext uri="{FF2B5EF4-FFF2-40B4-BE49-F238E27FC236}">
                 <a16:creationId xmlns:a16="http://schemas.microsoft.com/office/drawing/2014/main" id="{CB3FE381-51FE-48DB-8C5E-890563A5ACD1}"/>
@@ -12486,7 +13868,7 @@
           </p:nvPr>
         </p:nvPicPr>
         <p:blipFill>
-          <a:blip r:embed="rId2"/>
+          <a:blip r:embed="rId3"/>
           <a:stretch>
             <a:fillRect/>
           </a:stretch>
@@ -12501,6 +13883,7 @@
       <p:pic>
         <p:nvPicPr>
           <p:cNvPr id="17" name="Picture 16">
+            <a:hlinkClick r:id="rId4"/>
             <a:extLst>
               <a:ext uri="{FF2B5EF4-FFF2-40B4-BE49-F238E27FC236}">
                 <a16:creationId xmlns:a16="http://schemas.microsoft.com/office/drawing/2014/main" id="{E955C989-B6AC-4D30-9A84-04DFCFC90D8B}"/>
@@ -12513,7 +13896,7 @@
           <p:nvPr/>
         </p:nvPicPr>
         <p:blipFill>
-          <a:blip r:embed="rId3"/>
+          <a:blip r:embed="rId5"/>
           <a:stretch>
             <a:fillRect/>
           </a:stretch>
@@ -12531,6 +13914,7 @@
       <p:pic>
         <p:nvPicPr>
           <p:cNvPr id="19" name="Picture 18">
+            <a:hlinkClick r:id="rId6"/>
             <a:extLst>
               <a:ext uri="{FF2B5EF4-FFF2-40B4-BE49-F238E27FC236}">
                 <a16:creationId xmlns:a16="http://schemas.microsoft.com/office/drawing/2014/main" id="{61C34FF6-94F1-446E-8C77-C1B81C759AB7}"/>
@@ -12543,7 +13927,7 @@
           <p:nvPr/>
         </p:nvPicPr>
         <p:blipFill>
-          <a:blip r:embed="rId4"/>
+          <a:blip r:embed="rId7"/>
           <a:stretch>
             <a:fillRect/>
           </a:stretch>

--- a/Presentation.pptx
+++ b/Presentation.pptx
@@ -127,7 +127,7 @@
 <file path=ppt/revisionInfo.xml><?xml version="1.0" encoding="utf-8"?>
 <p1510:revInfo xmlns:a="http://schemas.openxmlformats.org/drawingml/2006/main" xmlns:r="http://schemas.openxmlformats.org/officeDocument/2006/relationships" xmlns:p1510="http://schemas.microsoft.com/office/powerpoint/2015/10/main">
   <p1510:revLst>
-    <p1510:client id="{E818F365-D871-47E4-AC3E-C2A795DBC77B}" v="339" dt="2021-03-18T03:39:48.298"/>
+    <p1510:client id="{E818F365-D871-47E4-AC3E-C2A795DBC77B}" v="344" dt="2021-03-18T03:53:08.755"/>
   </p1510:revLst>
 </p1510:revInfo>
 </file>
@@ -1853,9 +1853,12 @@
         <a:lstStyle/>
         <a:p>
           <a:r>
-            <a:rPr lang="en-US" sz="2400" dirty="0"/>
+            <a:rPr lang="en-US" sz="2400" dirty="0">
+              <a:hlinkClick xmlns:r="http://schemas.openxmlformats.org/officeDocument/2006/relationships" r:id="rId1"/>
+            </a:rPr>
             <a:t>Median household income</a:t>
           </a:r>
+          <a:endParaRPr lang="en-US" sz="2400" dirty="0"/>
         </a:p>
       </dgm:t>
     </dgm:pt>
@@ -1941,9 +1944,12 @@
         <a:lstStyle/>
         <a:p>
           <a:r>
-            <a:rPr lang="en-US" sz="2400" dirty="0"/>
+            <a:rPr lang="en-US" sz="2400" dirty="0">
+              <a:hlinkClick xmlns:r="http://schemas.openxmlformats.org/officeDocument/2006/relationships" r:id="rId2"/>
+            </a:rPr>
             <a:t>Median home prices</a:t>
           </a:r>
+          <a:endParaRPr lang="en-US" sz="2400" dirty="0"/>
         </a:p>
       </dgm:t>
     </dgm:pt>
@@ -1988,9 +1994,12 @@
         <a:lstStyle/>
         <a:p>
           <a:r>
-            <a:rPr lang="en-US" sz="2400" dirty="0"/>
+            <a:rPr lang="en-US" sz="2400" dirty="0">
+              <a:hlinkClick xmlns:r="http://schemas.openxmlformats.org/officeDocument/2006/relationships" r:id="rId3"/>
+            </a:rPr>
             <a:t>Cost of living index</a:t>
           </a:r>
+          <a:endParaRPr lang="en-US" sz="2400" dirty="0"/>
         </a:p>
       </dgm:t>
     </dgm:pt>
@@ -2555,9 +2564,12 @@
             <a:buNone/>
           </a:pPr>
           <a:r>
-            <a:rPr lang="en-US" sz="2400" kern="1200" dirty="0"/>
+            <a:rPr lang="en-US" sz="2400" kern="1200" dirty="0">
+              <a:hlinkClick xmlns:r="http://schemas.openxmlformats.org/officeDocument/2006/relationships" r:id="rId1"/>
+            </a:rPr>
             <a:t>Cost of living index</a:t>
           </a:r>
+          <a:endParaRPr lang="en-US" sz="2400" kern="1200" dirty="0"/>
         </a:p>
       </dsp:txBody>
       <dsp:txXfrm>
@@ -2618,9 +2630,12 @@
             <a:buNone/>
           </a:pPr>
           <a:r>
-            <a:rPr lang="en-US" sz="2400" kern="1200" dirty="0"/>
+            <a:rPr lang="en-US" sz="2400" kern="1200" dirty="0">
+              <a:hlinkClick xmlns:r="http://schemas.openxmlformats.org/officeDocument/2006/relationships" r:id="rId2"/>
+            </a:rPr>
             <a:t>Median home prices</a:t>
           </a:r>
+          <a:endParaRPr lang="en-US" sz="2400" kern="1200" dirty="0"/>
         </a:p>
       </dsp:txBody>
       <dsp:txXfrm>
@@ -2744,9 +2759,12 @@
             <a:buNone/>
           </a:pPr>
           <a:r>
-            <a:rPr lang="en-US" sz="2400" kern="1200" dirty="0"/>
+            <a:rPr lang="en-US" sz="2400" kern="1200" dirty="0">
+              <a:hlinkClick xmlns:r="http://schemas.openxmlformats.org/officeDocument/2006/relationships" r:id="rId3"/>
+            </a:rPr>
             <a:t>Median household income</a:t>
           </a:r>
+          <a:endParaRPr lang="en-US" sz="2400" kern="1200" dirty="0"/>
         </a:p>
       </dsp:txBody>
       <dsp:txXfrm>
@@ -13688,7 +13706,7 @@
             <p:ph idx="1"/>
             <p:extLst>
               <p:ext uri="{D42A27DB-BD31-4B8C-83A1-F6EECF244321}">
-                <p14:modId xmlns:p14="http://schemas.microsoft.com/office/powerpoint/2010/main" val="4121037142"/>
+                <p14:modId xmlns:p14="http://schemas.microsoft.com/office/powerpoint/2010/main" val="3215226006"/>
               </p:ext>
             </p:extLst>
           </p:nvPr>

--- a/Presentation.pptx
+++ b/Presentation.pptx
@@ -5038,7 +5038,7 @@
           <a:p>
             <a:fld id="{B0A6354D-63D3-4D47-9905-358D0348C17E}" type="datetimeFigureOut">
               <a:rPr lang="en-US" smtClean="0"/>
-              <a:t>3/17/2021</a:t>
+              <a:t>7/7/2021</a:t>
             </a:fld>
             <a:endParaRPr lang="en-US"/>
           </a:p>
@@ -6034,7 +6034,7 @@
           <a:p>
             <a:fld id="{88D38747-4367-4BD2-8D51-C97E202738E2}" type="datetime1">
               <a:rPr lang="en-US" smtClean="0"/>
-              <a:t>3/17/2021</a:t>
+              <a:t>7/7/2021</a:t>
             </a:fld>
             <a:endParaRPr lang="en-US" dirty="0"/>
           </a:p>
@@ -6339,7 +6339,7 @@
           <a:p>
             <a:fld id="{11F1B079-7EF0-44EE-B798-BCC497C9F3B2}" type="datetime1">
               <a:rPr lang="en-US" smtClean="0"/>
-              <a:t>3/17/2021</a:t>
+              <a:t>7/7/2021</a:t>
             </a:fld>
             <a:endParaRPr lang="en-US" dirty="0"/>
           </a:p>
@@ -6533,7 +6533,7 @@
           <a:p>
             <a:fld id="{28FF70A8-1D13-4657-95F0-A9EA54967B8D}" type="datetime1">
               <a:rPr lang="en-US" smtClean="0"/>
-              <a:t>3/17/2021</a:t>
+              <a:t>7/7/2021</a:t>
             </a:fld>
             <a:endParaRPr lang="en-US" dirty="0"/>
           </a:p>
@@ -6796,7 +6796,7 @@
           <a:p>
             <a:fld id="{21EB90AC-71BD-4C7F-8ACA-7B3F18292E63}" type="datetime1">
               <a:rPr lang="en-US" smtClean="0"/>
-              <a:t>3/17/2021</a:t>
+              <a:t>7/7/2021</a:t>
             </a:fld>
             <a:endParaRPr lang="en-US" dirty="0"/>
           </a:p>
@@ -7232,7 +7232,7 @@
           <a:p>
             <a:fld id="{4E6EFC2C-8905-46F0-B443-CE905B76BA01}" type="datetime1">
               <a:rPr lang="en-US" smtClean="0"/>
-              <a:t>3/17/2021</a:t>
+              <a:t>7/7/2021</a:t>
             </a:fld>
             <a:endParaRPr lang="en-US" dirty="0"/>
           </a:p>
@@ -7769,7 +7769,7 @@
           <a:p>
             <a:fld id="{D9079DC3-C9B5-499E-9140-0DC28B7074E2}" type="datetime1">
               <a:rPr lang="en-US" smtClean="0"/>
-              <a:t>3/17/2021</a:t>
+              <a:t>7/7/2021</a:t>
             </a:fld>
             <a:endParaRPr lang="en-US" dirty="0"/>
           </a:p>
@@ -8651,7 +8651,7 @@
           <a:p>
             <a:fld id="{30BB33EA-E472-4D22-9C03-A9C14AA21CED}" type="datetime1">
               <a:rPr lang="en-US" smtClean="0"/>
-              <a:t>3/17/2021</a:t>
+              <a:t>7/7/2021</a:t>
             </a:fld>
             <a:endParaRPr lang="en-US" dirty="0"/>
           </a:p>
@@ -8821,7 +8821,7 @@
           <a:p>
             <a:fld id="{217E833E-1B6D-415F-AD29-75AE8C43BD0D}" type="datetime1">
               <a:rPr lang="en-US" smtClean="0"/>
-              <a:t>3/17/2021</a:t>
+              <a:t>7/7/2021</a:t>
             </a:fld>
             <a:endParaRPr lang="en-US" dirty="0"/>
           </a:p>
@@ -9005,7 +9005,7 @@
           <a:p>
             <a:fld id="{8452596F-08A7-4B70-989A-F2B1CF31E66B}" type="datetime1">
               <a:rPr lang="en-US" smtClean="0"/>
-              <a:t>3/17/2021</a:t>
+              <a:t>7/7/2021</a:t>
             </a:fld>
             <a:endParaRPr lang="en-US" dirty="0"/>
           </a:p>
@@ -9175,7 +9175,7 @@
           <a:p>
             <a:fld id="{73C55A3C-5767-4844-A0A3-83778C2E5409}" type="datetime1">
               <a:rPr lang="en-US" smtClean="0"/>
-              <a:t>3/17/2021</a:t>
+              <a:t>7/7/2021</a:t>
             </a:fld>
             <a:endParaRPr lang="en-US" dirty="0"/>
           </a:p>
@@ -9419,7 +9419,7 @@
           <a:p>
             <a:fld id="{CAE507A8-A5CF-4D38-AB86-7EDDA87A85D4}" type="datetime1">
               <a:rPr lang="en-US" smtClean="0"/>
-              <a:t>3/17/2021</a:t>
+              <a:t>7/7/2021</a:t>
             </a:fld>
             <a:endParaRPr lang="en-US" dirty="0"/>
           </a:p>
@@ -9661,7 +9661,7 @@
           <a:p>
             <a:fld id="{BDFCD27C-8599-43EF-BA1D-14DDC1946E06}" type="datetime1">
               <a:rPr lang="en-US" smtClean="0"/>
-              <a:t>3/17/2021</a:t>
+              <a:t>7/7/2021</a:t>
             </a:fld>
             <a:endParaRPr lang="en-US" dirty="0"/>
           </a:p>
@@ -10142,7 +10142,7 @@
           <a:p>
             <a:fld id="{49343D99-809A-49C0-96E5-4250D0B498EE}" type="datetime1">
               <a:rPr lang="en-US" smtClean="0"/>
-              <a:t>3/17/2021</a:t>
+              <a:t>7/7/2021</a:t>
             </a:fld>
             <a:endParaRPr lang="en-US" dirty="0"/>
           </a:p>
@@ -10260,7 +10260,7 @@
           <a:p>
             <a:fld id="{A143DE9B-B678-4EFB-BB7D-A4370204A0B0}" type="datetime1">
               <a:rPr lang="en-US" smtClean="0"/>
-              <a:t>3/17/2021</a:t>
+              <a:t>7/7/2021</a:t>
             </a:fld>
             <a:endParaRPr lang="en-US" dirty="0"/>
           </a:p>
@@ -10355,7 +10355,7 @@
           <a:p>
             <a:fld id="{E68812DA-F765-4142-A6A3-A8ED7235E082}" type="datetime1">
               <a:rPr lang="en-US" smtClean="0"/>
-              <a:t>3/17/2021</a:t>
+              <a:t>7/7/2021</a:t>
             </a:fld>
             <a:endParaRPr lang="en-US" dirty="0"/>
           </a:p>
@@ -10610,7 +10610,7 @@
           <a:p>
             <a:fld id="{3E0277FD-7DE6-41D4-930D-AC99F5AFE54E}" type="datetime1">
               <a:rPr lang="en-US" smtClean="0"/>
-              <a:t>3/17/2021</a:t>
+              <a:t>7/7/2021</a:t>
             </a:fld>
             <a:endParaRPr lang="en-US" dirty="0"/>
           </a:p>
@@ -10917,7 +10917,7 @@
           <a:p>
             <a:fld id="{9EA15526-7079-4B7B-987C-1B5FAE11A0FF}" type="datetime1">
               <a:rPr lang="en-US" smtClean="0"/>
-              <a:t>3/17/2021</a:t>
+              <a:t>7/7/2021</a:t>
             </a:fld>
             <a:endParaRPr lang="en-US" dirty="0"/>
           </a:p>
@@ -11152,7 +11152,7 @@
           <a:p>
             <a:fld id="{073ED0CC-082F-4160-86E5-0D6041F12778}" type="datetime1">
               <a:rPr lang="en-US" smtClean="0"/>
-              <a:t>3/17/2021</a:t>
+              <a:t>7/7/2021</a:t>
             </a:fld>
             <a:endParaRPr lang="en-US" dirty="0"/>
           </a:p>
@@ -11962,7 +11962,7 @@
           <a:p>
             <a:r>
               <a:rPr lang="en-US" b="1" dirty="0"/>
-              <a:t>Homes, Living Expenses and Salary Across the Country</a:t>
+              <a:t>Homes, Expenses and Income</a:t>
             </a:r>
           </a:p>
         </p:txBody>

--- a/Presentation.pptx
+++ b/Presentation.pptx
@@ -11962,7 +11962,7 @@
           <a:p>
             <a:r>
               <a:rPr lang="en-US" b="1" dirty="0"/>
-              <a:t>Homes, Expenses and Income</a:t>
+              <a:t>Homes, Expenses, Income</a:t>
             </a:r>
           </a:p>
         </p:txBody>
